--- a/Bus Reservation System.pptx
+++ b/Bus Reservation System.pptx
@@ -9,15 +9,16 @@
     <p:sldId id="257" r:id="rId3"/>
     <p:sldId id="258" r:id="rId4"/>
     <p:sldId id="259" r:id="rId5"/>
-    <p:sldId id="269" r:id="rId6"/>
-    <p:sldId id="260" r:id="rId7"/>
+    <p:sldId id="270" r:id="rId6"/>
+    <p:sldId id="269" r:id="rId7"/>
     <p:sldId id="261" r:id="rId8"/>
     <p:sldId id="262" r:id="rId9"/>
     <p:sldId id="263" r:id="rId10"/>
     <p:sldId id="264" r:id="rId11"/>
     <p:sldId id="268" r:id="rId12"/>
-    <p:sldId id="266" r:id="rId13"/>
-    <p:sldId id="267" r:id="rId14"/>
+    <p:sldId id="271" r:id="rId13"/>
+    <p:sldId id="266" r:id="rId14"/>
+    <p:sldId id="267" r:id="rId15"/>
   </p:sldIdLst>
   <p:sldSz cx="12192000" cy="6858000"/>
   <p:notesSz cx="6858000" cy="9144000"/>
@@ -7801,23 +7802,7 @@
                   <a:srgbClr val="FF900C"/>
                 </a:solidFill>
               </a:rPr>
-              <a:t>Reserve </a:t>
-            </a:r>
-            <a:r>
-              <a:rPr lang="en-US" sz="2800" dirty="0" err="1">
-                <a:solidFill>
-                  <a:srgbClr val="FF900C"/>
-                </a:solidFill>
-              </a:rPr>
-              <a:t>ur</a:t>
-            </a:r>
-            <a:r>
-              <a:rPr lang="en-US" sz="2800" dirty="0">
-                <a:solidFill>
-                  <a:srgbClr val="FF900C"/>
-                </a:solidFill>
-              </a:rPr>
-              <a:t> ride.com</a:t>
+              <a:t>Reserve ur ride.com</a:t>
             </a:r>
             <a:endParaRPr lang="en-IN" sz="2800" dirty="0">
               <a:solidFill>
@@ -8683,10 +8668,9 @@
           <a:p>
             <a:pPr algn="ctr"/>
             <a:r>
-              <a:rPr lang="en-US" sz="1200" dirty="0" smtClean="0"/>
+              <a:rPr lang="en-US" sz="1200" dirty="0"/>
               <a:t>Select source, destination and traveling date</a:t>
             </a:r>
-            <a:endParaRPr lang="en-US" sz="1200" dirty="0"/>
           </a:p>
         </p:txBody>
       </p:sp>
@@ -8727,10 +8711,9 @@
           <a:p>
             <a:pPr algn="ctr"/>
             <a:r>
-              <a:rPr lang="en-US" sz="1200" dirty="0" smtClean="0"/>
+              <a:rPr lang="en-US" sz="1200" dirty="0"/>
               <a:t>Select Bus</a:t>
             </a:r>
-            <a:endParaRPr lang="en-US" sz="1200" dirty="0"/>
           </a:p>
         </p:txBody>
       </p:sp>
@@ -8771,14 +8754,13 @@
           <a:p>
             <a:pPr algn="ctr"/>
             <a:r>
-              <a:rPr lang="en-US" sz="1200" dirty="0" err="1" smtClean="0"/>
+              <a:rPr lang="en-US" sz="1200" dirty="0" err="1"/>
               <a:t>LogIn</a:t>
             </a:r>
             <a:r>
-              <a:rPr lang="en-US" sz="1200" dirty="0" smtClean="0"/>
+              <a:rPr lang="en-US" sz="1200" dirty="0"/>
               <a:t>/Sign up</a:t>
             </a:r>
-            <a:endParaRPr lang="en-US" sz="1200" dirty="0"/>
           </a:p>
         </p:txBody>
       </p:sp>
@@ -8819,10 +8801,9 @@
           <a:p>
             <a:pPr algn="ctr"/>
             <a:r>
-              <a:rPr lang="en-US" sz="1200" dirty="0" smtClean="0"/>
+              <a:rPr lang="en-US" sz="1200" dirty="0"/>
               <a:t>Select seat</a:t>
             </a:r>
-            <a:endParaRPr lang="en-US" sz="1200" dirty="0"/>
           </a:p>
         </p:txBody>
       </p:sp>
@@ -8863,10 +8844,9 @@
           <a:p>
             <a:pPr algn="ctr"/>
             <a:r>
-              <a:rPr lang="en-US" sz="1200" dirty="0" smtClean="0"/>
+              <a:rPr lang="en-US" sz="1200" dirty="0"/>
               <a:t>Print and View ticket</a:t>
             </a:r>
-            <a:endParaRPr lang="en-US" sz="1200" dirty="0"/>
           </a:p>
         </p:txBody>
       </p:sp>
@@ -8907,7 +8887,7 @@
           <a:p>
             <a:pPr algn="ctr"/>
             <a:r>
-              <a:rPr lang="en-US" sz="1200" dirty="0" smtClean="0"/>
+              <a:rPr lang="en-US" sz="1200" dirty="0"/>
               <a:t>Payment</a:t>
             </a:r>
             <a:endParaRPr lang="en-US" dirty="0"/>
@@ -8951,10 +8931,9 @@
           <a:p>
             <a:pPr algn="ctr"/>
             <a:r>
-              <a:rPr lang="en-US" sz="1200" dirty="0" smtClean="0"/>
+              <a:rPr lang="en-US" sz="1200" dirty="0"/>
               <a:t>Book and Confirm Tickets </a:t>
             </a:r>
-            <a:endParaRPr lang="en-US" sz="1200" dirty="0"/>
           </a:p>
         </p:txBody>
       </p:sp>
@@ -8995,10 +8974,9 @@
           <a:p>
             <a:pPr algn="ctr"/>
             <a:r>
-              <a:rPr lang="en-US" sz="1200" dirty="0" smtClean="0"/>
+              <a:rPr lang="en-US" sz="1200" dirty="0"/>
               <a:t>Enter passenger details</a:t>
             </a:r>
-            <a:endParaRPr lang="en-US" sz="1200" dirty="0"/>
           </a:p>
         </p:txBody>
       </p:sp>
@@ -9039,10 +9017,9 @@
           <a:p>
             <a:pPr algn="ctr"/>
             <a:r>
-              <a:rPr lang="en-US" sz="1200" dirty="0" smtClean="0"/>
+              <a:rPr lang="en-US" sz="1200" dirty="0"/>
               <a:t>Successful</a:t>
             </a:r>
-            <a:endParaRPr lang="en-US" sz="1200" dirty="0"/>
           </a:p>
         </p:txBody>
       </p:sp>
@@ -9349,10 +9326,9 @@
           <a:p>
             <a:pPr algn="ctr"/>
             <a:r>
-              <a:rPr lang="en-US" sz="1200" dirty="0" smtClean="0"/>
+              <a:rPr lang="en-US" sz="1200" dirty="0"/>
               <a:t>Successful</a:t>
             </a:r>
-            <a:endParaRPr lang="en-US" sz="1200" dirty="0"/>
           </a:p>
         </p:txBody>
       </p:sp>
@@ -9610,10 +9586,9 @@
           <a:lstStyle/>
           <a:p>
             <a:r>
-              <a:rPr lang="en-US" dirty="0" smtClean="0"/>
+              <a:rPr lang="en-US" dirty="0"/>
               <a:t>Yes</a:t>
             </a:r>
-            <a:endParaRPr lang="en-US" dirty="0"/>
           </a:p>
         </p:txBody>
       </p:sp>
@@ -9640,10 +9615,9 @@
           <a:lstStyle/>
           <a:p>
             <a:r>
-              <a:rPr lang="en-US" dirty="0" smtClean="0"/>
+              <a:rPr lang="en-US" dirty="0"/>
               <a:t>Yes</a:t>
             </a:r>
-            <a:endParaRPr lang="en-US" dirty="0"/>
           </a:p>
         </p:txBody>
       </p:sp>
@@ -9670,10 +9644,9 @@
           <a:lstStyle/>
           <a:p>
             <a:r>
-              <a:rPr lang="en-US" dirty="0" smtClean="0"/>
+              <a:rPr lang="en-US" dirty="0"/>
               <a:t>No</a:t>
             </a:r>
-            <a:endParaRPr lang="en-US" dirty="0"/>
           </a:p>
         </p:txBody>
       </p:sp>
@@ -9700,10 +9673,9 @@
           <a:lstStyle/>
           <a:p>
             <a:r>
-              <a:rPr lang="en-US" dirty="0" smtClean="0"/>
+              <a:rPr lang="en-US" dirty="0"/>
               <a:t>No</a:t>
             </a:r>
-            <a:endParaRPr lang="en-US" dirty="0"/>
           </a:p>
         </p:txBody>
       </p:sp>
@@ -9816,10 +9788,9 @@
               <a:buNone/>
             </a:pPr>
             <a:r>
-              <a:rPr lang="en-US" sz="1200" dirty="0" smtClean="0"/>
+              <a:rPr lang="en-US" sz="1200" dirty="0"/>
               <a:t>Successful</a:t>
             </a:r>
-            <a:endParaRPr lang="en-US" sz="1200" dirty="0"/>
           </a:p>
         </p:txBody>
       </p:sp>
@@ -9978,10 +9949,9 @@
           <a:lstStyle/>
           <a:p>
             <a:r>
-              <a:rPr lang="en-US" dirty="0" smtClean="0"/>
+              <a:rPr lang="en-US" dirty="0"/>
               <a:t>No</a:t>
             </a:r>
-            <a:endParaRPr lang="en-US" dirty="0"/>
           </a:p>
         </p:txBody>
       </p:sp>
@@ -10126,6 +10096,148 @@
           <p:cNvPr id="2" name="Title 1">
             <a:extLst>
               <a:ext uri="{FF2B5EF4-FFF2-40B4-BE49-F238E27FC236}">
+                <a16:creationId xmlns:a16="http://schemas.microsoft.com/office/drawing/2014/main" id="{3D6489A0-8B15-4104-BCAD-020004983936}"/>
+              </a:ext>
+            </a:extLst>
+          </p:cNvPr>
+          <p:cNvSpPr>
+            <a:spLocks noGrp="1"/>
+          </p:cNvSpPr>
+          <p:nvPr>
+            <p:ph type="title"/>
+          </p:nvPr>
+        </p:nvSpPr>
+        <p:spPr>
+          <a:xfrm>
+            <a:off x="1640156" y="610013"/>
+            <a:ext cx="8911687" cy="1280890"/>
+          </a:xfrm>
+        </p:spPr>
+        <p:txBody>
+          <a:bodyPr/>
+          <a:lstStyle/>
+          <a:p>
+            <a:r>
+              <a:rPr lang="en-US" dirty="0"/>
+              <a:t>Future Scope</a:t>
+            </a:r>
+            <a:endParaRPr lang="en-IN" dirty="0"/>
+          </a:p>
+        </p:txBody>
+      </p:sp>
+      <p:sp>
+        <p:nvSpPr>
+          <p:cNvPr id="3" name="Content Placeholder 2">
+            <a:extLst>
+              <a:ext uri="{FF2B5EF4-FFF2-40B4-BE49-F238E27FC236}">
+                <a16:creationId xmlns:a16="http://schemas.microsoft.com/office/drawing/2014/main" id="{19517A8E-3816-44AC-BCBA-2A255B2B5597}"/>
+              </a:ext>
+            </a:extLst>
+          </p:cNvPr>
+          <p:cNvSpPr>
+            <a:spLocks noGrp="1"/>
+          </p:cNvSpPr>
+          <p:nvPr>
+            <p:ph idx="1"/>
+          </p:nvPr>
+        </p:nvSpPr>
+        <p:spPr>
+          <a:xfrm>
+            <a:off x="1640156" y="1890903"/>
+            <a:ext cx="9138334" cy="3636511"/>
+          </a:xfrm>
+        </p:spPr>
+        <p:txBody>
+          <a:bodyPr/>
+          <a:lstStyle/>
+          <a:p>
+            <a:endParaRPr lang="en-US" dirty="0"/>
+          </a:p>
+          <a:p>
+            <a:r>
+              <a:rPr lang="en-US" dirty="0"/>
+              <a:t>Inclusion of payment gateway.</a:t>
+            </a:r>
+          </a:p>
+          <a:p>
+            <a:r>
+              <a:rPr lang="en-US" dirty="0"/>
+              <a:t>Cancellation of the ticket whenever desired.</a:t>
+            </a:r>
+          </a:p>
+          <a:p>
+            <a:r>
+              <a:rPr lang="en-US" dirty="0"/>
+              <a:t>Facility of tracking the bus.</a:t>
+            </a:r>
+          </a:p>
+        </p:txBody>
+      </p:sp>
+      <p:pic>
+        <p:nvPicPr>
+          <p:cNvPr id="4" name="Picture 3">
+            <a:extLst>
+              <a:ext uri="{FF2B5EF4-FFF2-40B4-BE49-F238E27FC236}">
+                <a16:creationId xmlns:a16="http://schemas.microsoft.com/office/drawing/2014/main" id="{9994E8A2-BA23-4915-819F-498035E48E54}"/>
+              </a:ext>
+            </a:extLst>
+          </p:cNvPr>
+          <p:cNvPicPr>
+            <a:picLocks noChangeAspect="1"/>
+          </p:cNvPicPr>
+          <p:nvPr/>
+        </p:nvPicPr>
+        <p:blipFill>
+          <a:blip r:embed="rId2"/>
+          <a:stretch>
+            <a:fillRect/>
+          </a:stretch>
+        </p:blipFill>
+        <p:spPr>
+          <a:xfrm>
+            <a:off x="10490389" y="220824"/>
+            <a:ext cx="1362162" cy="778378"/>
+          </a:xfrm>
+          <a:prstGeom prst="rect">
+            <a:avLst/>
+          </a:prstGeom>
+        </p:spPr>
+      </p:pic>
+    </p:spTree>
+    <p:extLst>
+      <p:ext uri="{BB962C8B-B14F-4D97-AF65-F5344CB8AC3E}">
+        <p14:creationId xmlns:p14="http://schemas.microsoft.com/office/powerpoint/2010/main" val="3851867333"/>
+      </p:ext>
+    </p:extLst>
+  </p:cSld>
+  <p:clrMapOvr>
+    <a:masterClrMapping/>
+  </p:clrMapOvr>
+</p:sld>
+</file>
+
+<file path=ppt/slides/slide13.xml><?xml version="1.0" encoding="utf-8"?>
+<p:sld xmlns:a="http://schemas.openxmlformats.org/drawingml/2006/main" xmlns:r="http://schemas.openxmlformats.org/officeDocument/2006/relationships" xmlns:p="http://schemas.openxmlformats.org/presentationml/2006/main">
+  <p:cSld>
+    <p:spTree>
+      <p:nvGrpSpPr>
+        <p:cNvPr id="1" name=""/>
+        <p:cNvGrpSpPr/>
+        <p:nvPr/>
+      </p:nvGrpSpPr>
+      <p:grpSpPr>
+        <a:xfrm>
+          <a:off x="0" y="0"/>
+          <a:ext cx="0" cy="0"/>
+          <a:chOff x="0" y="0"/>
+          <a:chExt cx="0" cy="0"/>
+        </a:xfrm>
+      </p:grpSpPr>
+      <p:sp>
+        <p:nvSpPr>
+          <p:cNvPr id="2" name="Title 1">
+            <a:extLst>
+              <a:ext uri="{FF2B5EF4-FFF2-40B4-BE49-F238E27FC236}">
                 <a16:creationId xmlns:a16="http://schemas.microsoft.com/office/drawing/2014/main" id="{370A2865-C183-4F62-84F7-499773E7DA79}"/>
               </a:ext>
             </a:extLst>
@@ -10200,7 +10312,28 @@
           <a:bodyPr/>
           <a:lstStyle/>
           <a:p>
-            <a:endParaRPr lang="en-US"/>
+            <a:r>
+              <a:rPr lang="en-US" dirty="0"/>
+              <a:t>In the present era due to huge amount of data, handling them manually is not feasible and the same is true for bus reservation facility.</a:t>
+            </a:r>
+          </a:p>
+          <a:p>
+            <a:r>
+              <a:rPr lang="en-US" dirty="0"/>
+              <a:t>Managing this data through online system provides ease not only to the customers but also to the bus providers.</a:t>
+            </a:r>
+          </a:p>
+          <a:p>
+            <a:r>
+              <a:rPr lang="en-US" dirty="0"/>
+              <a:t>Using this system assures data consistency of all the users which is a major drawback of manual system.</a:t>
+            </a:r>
+          </a:p>
+          <a:p>
+            <a:r>
+              <a:rPr lang="en-US" dirty="0"/>
+              <a:t>In future after the amalgamation of tracking facility, security of the travelers will also increase by many folds</a:t>
+            </a:r>
           </a:p>
         </p:txBody>
       </p:sp>
@@ -10217,7 +10350,7 @@
 </p:sld>
 </file>
 
-<file path=ppt/slides/slide13.xml><?xml version="1.0" encoding="utf-8"?>
+<file path=ppt/slides/slide14.xml><?xml version="1.0" encoding="utf-8"?>
 <p:sld xmlns:a="http://schemas.openxmlformats.org/drawingml/2006/main" xmlns:r="http://schemas.openxmlformats.org/officeDocument/2006/relationships" xmlns:p="http://schemas.openxmlformats.org/presentationml/2006/main">
   <p:cSld>
     <p:spTree>
@@ -10752,46 +10885,37 @@
         <p:spPr>
           <a:xfrm>
             <a:off x="1640156" y="1890903"/>
-            <a:ext cx="2918197" cy="3636511"/>
+            <a:ext cx="9138334" cy="3636511"/>
           </a:xfrm>
         </p:spPr>
         <p:txBody>
           <a:bodyPr/>
           <a:lstStyle/>
           <a:p>
+            <a:endParaRPr lang="en-US" dirty="0"/>
+          </a:p>
+          <a:p>
             <a:r>
               <a:rPr lang="en-US" dirty="0"/>
-              <a:t>Oracle Database</a:t>
+              <a:t>Allows to choose date of Travel, Source and Destination.</a:t>
             </a:r>
           </a:p>
           <a:p>
             <a:r>
               <a:rPr lang="en-US" dirty="0"/>
-              <a:t>Hibernate</a:t>
+              <a:t>Filters the buses on the basis of travel date, category of the bus, arrival time and boarding time.</a:t>
             </a:r>
           </a:p>
           <a:p>
             <a:r>
               <a:rPr lang="en-US" dirty="0"/>
-              <a:t>Spring IOC</a:t>
+              <a:t>Helps to choose boarding and arrival point.</a:t>
             </a:r>
           </a:p>
           <a:p>
             <a:r>
               <a:rPr lang="en-US" dirty="0"/>
-              <a:t>Spring MVC</a:t>
-            </a:r>
-          </a:p>
-          <a:p>
-            <a:r>
-              <a:rPr lang="en-US" dirty="0"/>
-              <a:t>JavaScript</a:t>
-            </a:r>
-          </a:p>
-          <a:p>
-            <a:r>
-              <a:rPr lang="en-US" dirty="0"/>
-              <a:t>Angular JS</a:t>
+              <a:t>Keeps the track of record about user’s travel details.</a:t>
             </a:r>
           </a:p>
           <a:p>
@@ -10864,7 +10988,7 @@
           <p:cNvPr id="2" name="Title 1">
             <a:extLst>
               <a:ext uri="{FF2B5EF4-FFF2-40B4-BE49-F238E27FC236}">
-                <a16:creationId xmlns:a16="http://schemas.microsoft.com/office/drawing/2014/main" id="{E5B939BA-EDC0-415F-B1A3-32392571E194}"/>
+                <a16:creationId xmlns:a16="http://schemas.microsoft.com/office/drawing/2014/main" id="{3D6489A0-8B15-4104-BCAD-020004983936}"/>
               </a:ext>
             </a:extLst>
           </p:cNvPr>
@@ -10877,8 +11001,8 @@
         </p:nvSpPr>
         <p:spPr>
           <a:xfrm>
-            <a:off x="1774060" y="692349"/>
-            <a:ext cx="2879827" cy="849848"/>
+            <a:off x="1640156" y="610013"/>
+            <a:ext cx="8911687" cy="1280890"/>
           </a:xfrm>
         </p:spPr>
         <p:txBody>
@@ -10887,7 +11011,68 @@
           <a:p>
             <a:r>
               <a:rPr lang="en-US" dirty="0"/>
-              <a:t>ER Diagram</a:t>
+              <a:t>Technologies Used</a:t>
+            </a:r>
+            <a:endParaRPr lang="en-IN" dirty="0"/>
+          </a:p>
+        </p:txBody>
+      </p:sp>
+      <p:sp>
+        <p:nvSpPr>
+          <p:cNvPr id="3" name="Content Placeholder 2">
+            <a:extLst>
+              <a:ext uri="{FF2B5EF4-FFF2-40B4-BE49-F238E27FC236}">
+                <a16:creationId xmlns:a16="http://schemas.microsoft.com/office/drawing/2014/main" id="{19517A8E-3816-44AC-BCBA-2A255B2B5597}"/>
+              </a:ext>
+            </a:extLst>
+          </p:cNvPr>
+          <p:cNvSpPr>
+            <a:spLocks noGrp="1"/>
+          </p:cNvSpPr>
+          <p:nvPr>
+            <p:ph idx="1"/>
+          </p:nvPr>
+        </p:nvSpPr>
+        <p:spPr>
+          <a:xfrm>
+            <a:off x="1640156" y="1890903"/>
+            <a:ext cx="9138334" cy="3636511"/>
+          </a:xfrm>
+        </p:spPr>
+        <p:txBody>
+          <a:bodyPr/>
+          <a:lstStyle/>
+          <a:p>
+            <a:endParaRPr lang="en-US" dirty="0"/>
+          </a:p>
+          <a:p>
+            <a:r>
+              <a:rPr lang="en-US" dirty="0"/>
+              <a:t>Hibernate</a:t>
+            </a:r>
+          </a:p>
+          <a:p>
+            <a:r>
+              <a:rPr lang="en-US" dirty="0"/>
+              <a:t>Spring MVC</a:t>
+            </a:r>
+          </a:p>
+          <a:p>
+            <a:r>
+              <a:rPr lang="en-US" dirty="0"/>
+              <a:t>JavaScript</a:t>
+            </a:r>
+          </a:p>
+          <a:p>
+            <a:r>
+              <a:rPr lang="en-US" dirty="0"/>
+              <a:t>Angular JS</a:t>
+            </a:r>
+          </a:p>
+          <a:p>
+            <a:r>
+              <a:rPr lang="en-US" dirty="0"/>
+              <a:t>Oracle Database</a:t>
             </a:r>
             <a:endParaRPr lang="en-IN" dirty="0"/>
           </a:p>
@@ -10895,19 +11080,17 @@
       </p:sp>
       <p:pic>
         <p:nvPicPr>
-          <p:cNvPr id="5" name="Content Placeholder 4">
+          <p:cNvPr id="4" name="Picture 3">
             <a:extLst>
               <a:ext uri="{FF2B5EF4-FFF2-40B4-BE49-F238E27FC236}">
-                <a16:creationId xmlns:a16="http://schemas.microsoft.com/office/drawing/2014/main" id="{CD333114-17B5-4FBD-8D08-CF87DA09A8AB}"/>
+                <a16:creationId xmlns:a16="http://schemas.microsoft.com/office/drawing/2014/main" id="{9994E8A2-BA23-4915-819F-498035E48E54}"/>
               </a:ext>
             </a:extLst>
           </p:cNvPr>
           <p:cNvPicPr>
-            <a:picLocks noGrp="1" noChangeAspect="1"/>
+            <a:picLocks noChangeAspect="1"/>
           </p:cNvPicPr>
-          <p:nvPr>
-            <p:ph idx="1"/>
-          </p:nvPr>
+          <p:nvPr/>
         </p:nvPicPr>
         <p:blipFill>
           <a:blip r:embed="rId2"/>
@@ -10917,128 +11100,18 @@
         </p:blipFill>
         <p:spPr>
           <a:xfrm>
-            <a:off x="903174" y="1371600"/>
-            <a:ext cx="10499117" cy="5209310"/>
-          </a:xfrm>
-        </p:spPr>
-      </p:pic>
-      <p:sp>
-        <p:nvSpPr>
-          <p:cNvPr id="6" name="Rectangle: Rounded Corners 5">
-            <a:extLst>
-              <a:ext uri="{FF2B5EF4-FFF2-40B4-BE49-F238E27FC236}">
-                <a16:creationId xmlns:a16="http://schemas.microsoft.com/office/drawing/2014/main" id="{1C2FF57B-6B6E-4E05-BC32-5E93A20FF15A}"/>
-              </a:ext>
-            </a:extLst>
-          </p:cNvPr>
-          <p:cNvSpPr/>
-          <p:nvPr/>
-        </p:nvSpPr>
-        <p:spPr>
-          <a:xfrm>
-            <a:off x="8407605" y="2115402"/>
-            <a:ext cx="1201003" cy="545910"/>
-          </a:xfrm>
-          <a:prstGeom prst="roundRect">
-            <a:avLst/>
-          </a:prstGeom>
-          <a:ln>
-            <a:solidFill>
-              <a:srgbClr val="818181"/>
-            </a:solidFill>
-          </a:ln>
-        </p:spPr>
-        <p:style>
-          <a:lnRef idx="2">
-            <a:schemeClr val="dk1"/>
-          </a:lnRef>
-          <a:fillRef idx="1">
-            <a:schemeClr val="lt1"/>
-          </a:fillRef>
-          <a:effectRef idx="0">
-            <a:schemeClr val="dk1"/>
-          </a:effectRef>
-          <a:fontRef idx="minor">
-            <a:schemeClr val="dk1"/>
-          </a:fontRef>
-        </p:style>
-        <p:txBody>
-          <a:bodyPr rtlCol="0" anchor="ctr"/>
-          <a:lstStyle/>
-          <a:p>
-            <a:pPr algn="ctr"/>
-            <a:r>
-              <a:rPr lang="en-US" sz="1000" dirty="0">
-                <a:solidFill>
-                  <a:srgbClr val="050605"/>
-                </a:solidFill>
-              </a:rPr>
-              <a:t>Travel Days</a:t>
-            </a:r>
-            <a:endParaRPr lang="en-IN" dirty="0">
-              <a:solidFill>
-                <a:srgbClr val="050605"/>
-              </a:solidFill>
-            </a:endParaRPr>
-          </a:p>
-        </p:txBody>
-      </p:sp>
-      <p:sp>
-        <p:nvSpPr>
-          <p:cNvPr id="7" name="Rectangle 6">
-            <a:extLst>
-              <a:ext uri="{FF2B5EF4-FFF2-40B4-BE49-F238E27FC236}">
-                <a16:creationId xmlns:a16="http://schemas.microsoft.com/office/drawing/2014/main" id="{6761BC3D-BA3E-4938-980E-4E9C4DBEEC97}"/>
-              </a:ext>
-            </a:extLst>
-          </p:cNvPr>
-          <p:cNvSpPr/>
-          <p:nvPr/>
-        </p:nvSpPr>
-        <p:spPr>
-          <a:xfrm>
-            <a:off x="9407236" y="5915891"/>
-            <a:ext cx="2008909" cy="651164"/>
+            <a:off x="10490389" y="220824"/>
+            <a:ext cx="1362162" cy="778378"/>
           </a:xfrm>
           <a:prstGeom prst="rect">
             <a:avLst/>
           </a:prstGeom>
-          <a:solidFill>
-            <a:schemeClr val="bg1"/>
-          </a:solidFill>
-          <a:ln>
-            <a:solidFill>
-              <a:schemeClr val="bg1"/>
-            </a:solidFill>
-          </a:ln>
-        </p:spPr>
-        <p:style>
-          <a:lnRef idx="2">
-            <a:schemeClr val="accent6"/>
-          </a:lnRef>
-          <a:fillRef idx="1">
-            <a:schemeClr val="lt1"/>
-          </a:fillRef>
-          <a:effectRef idx="0">
-            <a:schemeClr val="accent6"/>
-          </a:effectRef>
-          <a:fontRef idx="minor">
-            <a:schemeClr val="dk1"/>
-          </a:fontRef>
-        </p:style>
-        <p:txBody>
-          <a:bodyPr rtlCol="0" anchor="ctr"/>
-          <a:lstStyle/>
-          <a:p>
-            <a:pPr algn="ctr"/>
-            <a:endParaRPr lang="en-IN"/>
-          </a:p>
-        </p:txBody>
-      </p:sp>
+        </p:spPr>
+      </p:pic>
     </p:spTree>
     <p:extLst>
       <p:ext uri="{BB962C8B-B14F-4D97-AF65-F5344CB8AC3E}">
-        <p14:creationId xmlns:p14="http://schemas.microsoft.com/office/powerpoint/2010/main" val="1788294590"/>
+        <p14:creationId xmlns:p14="http://schemas.microsoft.com/office/powerpoint/2010/main" val="2691030652"/>
       </p:ext>
     </p:extLst>
   </p:cSld>
@@ -11070,7 +11143,7 @@
           <p:cNvPr id="2" name="Title 1">
             <a:extLst>
               <a:ext uri="{FF2B5EF4-FFF2-40B4-BE49-F238E27FC236}">
-                <a16:creationId xmlns:a16="http://schemas.microsoft.com/office/drawing/2014/main" id="{FF883551-C091-4DAA-A326-B62E467A663D}"/>
+                <a16:creationId xmlns:a16="http://schemas.microsoft.com/office/drawing/2014/main" id="{E5B939BA-EDC0-415F-B1A3-32392571E194}"/>
               </a:ext>
             </a:extLst>
           </p:cNvPr>
@@ -11083,8 +11156,8 @@
         </p:nvSpPr>
         <p:spPr>
           <a:xfrm>
-            <a:off x="1640156" y="705997"/>
-            <a:ext cx="8911687" cy="1280890"/>
+            <a:off x="1774060" y="692349"/>
+            <a:ext cx="2879827" cy="849848"/>
           </a:xfrm>
         </p:spPr>
         <p:txBody>
@@ -11093,7 +11166,7 @@
           <a:p>
             <a:r>
               <a:rPr lang="en-US" dirty="0"/>
-              <a:t>Scope</a:t>
+              <a:t>ER Diagram</a:t>
             </a:r>
             <a:endParaRPr lang="en-IN" dirty="0"/>
           </a:p>
@@ -11101,40 +11174,62 @@
       </p:sp>
       <p:sp>
         <p:nvSpPr>
-          <p:cNvPr id="3" name="Content Placeholder 2">
+          <p:cNvPr id="7" name="Rectangle 6">
             <a:extLst>
               <a:ext uri="{FF2B5EF4-FFF2-40B4-BE49-F238E27FC236}">
-                <a16:creationId xmlns:a16="http://schemas.microsoft.com/office/drawing/2014/main" id="{8D82341D-FDF6-4112-99CD-6E779753D4BE}"/>
+                <a16:creationId xmlns:a16="http://schemas.microsoft.com/office/drawing/2014/main" id="{6761BC3D-BA3E-4938-980E-4E9C4DBEEC97}"/>
               </a:ext>
             </a:extLst>
           </p:cNvPr>
-          <p:cNvSpPr>
-            <a:spLocks noGrp="1"/>
-          </p:cNvSpPr>
-          <p:nvPr>
-            <p:ph idx="1"/>
-          </p:nvPr>
-        </p:nvSpPr>
-        <p:spPr>
-          <a:xfrm>
-            <a:off x="1783994" y="1484375"/>
-            <a:ext cx="8915400" cy="3777622"/>
-          </a:xfrm>
-        </p:spPr>
-        <p:txBody>
-          <a:bodyPr/>
+          <p:cNvSpPr/>
+          <p:nvPr/>
+        </p:nvSpPr>
+        <p:spPr>
+          <a:xfrm>
+            <a:off x="9407236" y="5915891"/>
+            <a:ext cx="2008909" cy="651164"/>
+          </a:xfrm>
+          <a:prstGeom prst="rect">
+            <a:avLst/>
+          </a:prstGeom>
+          <a:solidFill>
+            <a:schemeClr val="bg1"/>
+          </a:solidFill>
+          <a:ln>
+            <a:solidFill>
+              <a:schemeClr val="bg1"/>
+            </a:solidFill>
+          </a:ln>
+        </p:spPr>
+        <p:style>
+          <a:lnRef idx="2">
+            <a:schemeClr val="accent6"/>
+          </a:lnRef>
+          <a:fillRef idx="1">
+            <a:schemeClr val="lt1"/>
+          </a:fillRef>
+          <a:effectRef idx="0">
+            <a:schemeClr val="accent6"/>
+          </a:effectRef>
+          <a:fontRef idx="minor">
+            <a:schemeClr val="dk1"/>
+          </a:fontRef>
+        </p:style>
+        <p:txBody>
+          <a:bodyPr rtlCol="0" anchor="ctr"/>
           <a:lstStyle/>
           <a:p>
-            <a:endParaRPr lang="en-IN" dirty="0"/>
+            <a:pPr algn="ctr"/>
+            <a:endParaRPr lang="en-IN"/>
           </a:p>
         </p:txBody>
       </p:sp>
       <p:pic>
         <p:nvPicPr>
-          <p:cNvPr id="4" name="Picture 3">
+          <p:cNvPr id="9" name="Picture 8">
             <a:extLst>
               <a:ext uri="{FF2B5EF4-FFF2-40B4-BE49-F238E27FC236}">
-                <a16:creationId xmlns:a16="http://schemas.microsoft.com/office/drawing/2014/main" id="{198D7BD3-4CD8-4338-8B81-6153075B223A}"/>
+                <a16:creationId xmlns:a16="http://schemas.microsoft.com/office/drawing/2014/main" id="{5832112F-F03A-4CBB-8810-A1522515805F}"/>
               </a:ext>
             </a:extLst>
           </p:cNvPr>
@@ -11151,8 +11246,8 @@
         </p:blipFill>
         <p:spPr>
           <a:xfrm>
-            <a:off x="10490389" y="220824"/>
-            <a:ext cx="1362162" cy="778378"/>
+            <a:off x="1295320" y="1356153"/>
+            <a:ext cx="10498015" cy="5210902"/>
           </a:xfrm>
           <a:prstGeom prst="rect">
             <a:avLst/>
@@ -11162,7 +11257,7 @@
     </p:spTree>
     <p:extLst>
       <p:ext uri="{BB962C8B-B14F-4D97-AF65-F5344CB8AC3E}">
-        <p14:creationId xmlns:p14="http://schemas.microsoft.com/office/powerpoint/2010/main" val="873334829"/>
+        <p14:creationId xmlns:p14="http://schemas.microsoft.com/office/powerpoint/2010/main" val="1788294590"/>
       </p:ext>
     </p:extLst>
   </p:cSld>
